--- a/Week2/Intro to R-ArcGIS Bridge.pptx
+++ b/Week2/Intro to R-ArcGIS Bridge.pptx
@@ -112,6 +112,11 @@
       </a:defRPr>
     </a:lvl9pPr>
   </p:defaultTextStyle>
+  <p:extLst>
+    <p:ext uri="{EFAFB233-063F-42B5-8137-9DF3F51BA10A}">
+      <p15:sldGuideLst xmlns:p15="http://schemas.microsoft.com/office/powerpoint/2012/main"/>
+    </p:ext>
+  </p:extLst>
 </p:presentation>
 </file>
 
@@ -197,7 +202,7 @@
           <a:p>
             <a:fld id="{EB371482-9923-4002-98ED-788FD0BE0782}" type="datetimeFigureOut">
               <a:rPr lang="zh-CN" altLang="en-US" smtClean="0"/>
-              <a:t>2022/9/4</a:t>
+              <a:t>2022/9/11</a:t>
             </a:fld>
             <a:endParaRPr lang="zh-CN" altLang="en-US"/>
           </a:p>
@@ -483,7 +488,7 @@
       </p:grpSpPr>
       <p:sp>
         <p:nvSpPr>
-          <p:cNvPr id="2" name="幻灯片图像占位符 1"/>
+          <p:cNvPr id="2" name="Slide Image Placeholder 1"/>
           <p:cNvSpPr>
             <a:spLocks noGrp="1" noRot="1" noChangeAspect="1"/>
           </p:cNvSpPr>
@@ -495,7 +500,7 @@
       </p:sp>
       <p:sp>
         <p:nvSpPr>
-          <p:cNvPr id="3" name="备注占位符 2"/>
+          <p:cNvPr id="3" name="Notes Placeholder 2"/>
           <p:cNvSpPr>
             <a:spLocks noGrp="1"/>
           </p:cNvSpPr>
@@ -508,274 +513,546 @@
           <a:bodyPr/>
           <a:lstStyle/>
           <a:p>
+            <a:pPr marL="228600" marR="0" lvl="0" indent="-228600" algn="l" defTabSz="914400" rtl="0" eaLnBrk="1" fontAlgn="auto" latinLnBrk="0" hangingPunct="1">
+              <a:lnSpc>
+                <a:spcPct val="100000"/>
+              </a:lnSpc>
+              <a:spcBef>
+                <a:spcPts val="0"/>
+              </a:spcBef>
+              <a:spcAft>
+                <a:spcPts val="0"/>
+              </a:spcAft>
+              <a:buClrTx/>
+              <a:buSzTx/>
+              <a:buFont typeface="+mj-lt"/>
+              <a:buAutoNum type="arabicPeriod"/>
+              <a:tabLst/>
+              <a:defRPr/>
+            </a:pPr>
+            <a:r>
+              <a:rPr lang="en-US" altLang="zh-CN" sz="1200" dirty="0"/>
+              <a:t>The R-ArcGIS bridge bridges the gap between traditional ArcGIS users and statistically based R developers. ArcGIS users can now create custom tools and toolboxes that use both the spatial and statistical capabilities found in ArcGIS and R.</a:t>
+            </a:r>
+            <a:r>
+              <a:rPr lang="en-US" altLang="zh-CN" dirty="0"/>
+              <a:t>R-ArcGIS </a:t>
+            </a:r>
+            <a:r>
+              <a:rPr lang="zh-CN" altLang="en-US" dirty="0"/>
+              <a:t>桥梁弥合了传统 </a:t>
+            </a:r>
+            <a:r>
+              <a:rPr lang="en-US" altLang="zh-CN" dirty="0"/>
+              <a:t>ArcGIS </a:t>
+            </a:r>
+            <a:r>
+              <a:rPr lang="zh-CN" altLang="en-US" dirty="0"/>
+              <a:t>用户和基于统计的 </a:t>
+            </a:r>
+            <a:r>
+              <a:rPr lang="en-US" altLang="zh-CN" dirty="0"/>
+              <a:t>R </a:t>
+            </a:r>
+            <a:r>
+              <a:rPr lang="zh-CN" altLang="en-US" dirty="0"/>
+              <a:t>开发人员之间的差距。 </a:t>
+            </a:r>
+            <a:r>
+              <a:rPr lang="en-US" altLang="zh-CN" dirty="0"/>
+              <a:t>ArcGIS </a:t>
+            </a:r>
+            <a:r>
+              <a:rPr lang="zh-CN" altLang="en-US" dirty="0"/>
+              <a:t>用户现在可以创建使用 </a:t>
+            </a:r>
+            <a:r>
+              <a:rPr lang="en-US" altLang="zh-CN" dirty="0"/>
+              <a:t>ArcGIS </a:t>
+            </a:r>
+            <a:r>
+              <a:rPr lang="zh-CN" altLang="en-US" dirty="0"/>
+              <a:t>和 </a:t>
+            </a:r>
+            <a:r>
+              <a:rPr lang="en-US" altLang="zh-CN" dirty="0"/>
+              <a:t>R </a:t>
+            </a:r>
+            <a:r>
+              <a:rPr lang="zh-CN" altLang="en-US" dirty="0"/>
+              <a:t>中的空间和统计功能的自定义工具和工具箱。</a:t>
+            </a:r>
+            <a:endParaRPr lang="en-US" altLang="zh-CN" dirty="0"/>
+          </a:p>
+          <a:p>
+            <a:pPr marL="228600" marR="0" lvl="0" indent="-228600" algn="l" defTabSz="914400" rtl="0" eaLnBrk="1" fontAlgn="auto" latinLnBrk="0" hangingPunct="1">
+              <a:lnSpc>
+                <a:spcPct val="100000"/>
+              </a:lnSpc>
+              <a:spcBef>
+                <a:spcPts val="0"/>
+              </a:spcBef>
+              <a:spcAft>
+                <a:spcPts val="0"/>
+              </a:spcAft>
+              <a:buClrTx/>
+              <a:buSzTx/>
+              <a:buFont typeface="+mj-lt"/>
+              <a:buAutoNum type="arabicPeriod"/>
+              <a:tabLst/>
+              <a:defRPr/>
+            </a:pPr>
+            <a:r>
+              <a:rPr lang="en-US" altLang="zh-CN" sz="1200" dirty="0"/>
+              <a:t>As an ArcGIS user, you can now access R code through geoprocessing scripts and run the scripts in ArcGIS Desktop. R users greatly benefit in their work by having direct access to an organization's GIS data through the R-ArcGIS bridge, and they also have access to the spatial analysis tools and mapping power of ArcGIS.</a:t>
+            </a:r>
+            <a:r>
+              <a:rPr lang="zh-CN" altLang="en-US" dirty="0"/>
+              <a:t>作为 </a:t>
+            </a:r>
+            <a:r>
+              <a:rPr lang="en-US" altLang="zh-CN" dirty="0"/>
+              <a:t>ArcGIS </a:t>
+            </a:r>
+            <a:r>
+              <a:rPr lang="zh-CN" altLang="en-US" dirty="0"/>
+              <a:t>用户，您现在可以通过地理处理脚本访问 </a:t>
+            </a:r>
+            <a:r>
+              <a:rPr lang="en-US" altLang="zh-CN" dirty="0"/>
+              <a:t>R </a:t>
+            </a:r>
+            <a:r>
+              <a:rPr lang="zh-CN" altLang="en-US" dirty="0"/>
+              <a:t>代码并在 </a:t>
+            </a:r>
+            <a:r>
+              <a:rPr lang="en-US" altLang="zh-CN" dirty="0"/>
+              <a:t>ArcGIS Desktop </a:t>
+            </a:r>
+            <a:r>
+              <a:rPr lang="zh-CN" altLang="en-US" dirty="0"/>
+              <a:t>中运行脚本。 </a:t>
+            </a:r>
+            <a:r>
+              <a:rPr lang="en-US" altLang="zh-CN" dirty="0"/>
+              <a:t>R </a:t>
+            </a:r>
+            <a:r>
+              <a:rPr lang="zh-CN" altLang="en-US" dirty="0"/>
+              <a:t>用户可以通过 </a:t>
+            </a:r>
+            <a:r>
+              <a:rPr lang="en-US" altLang="zh-CN" dirty="0"/>
+              <a:t>R-ArcGIS </a:t>
+            </a:r>
+            <a:r>
+              <a:rPr lang="zh-CN" altLang="en-US" dirty="0"/>
+              <a:t>桥直接访问组织的 </a:t>
+            </a:r>
+            <a:r>
+              <a:rPr lang="en-US" altLang="zh-CN" dirty="0"/>
+              <a:t>GIS </a:t>
+            </a:r>
+            <a:r>
+              <a:rPr lang="zh-CN" altLang="en-US" dirty="0"/>
+              <a:t>数据，从而极大地受益于他们的工作，并且他们还可以访问 </a:t>
+            </a:r>
+            <a:r>
+              <a:rPr lang="en-US" altLang="zh-CN" dirty="0"/>
+              <a:t>ArcGIS </a:t>
+            </a:r>
+            <a:r>
+              <a:rPr lang="zh-CN" altLang="en-US" dirty="0"/>
+              <a:t>的空间分析工具和绘图功能。</a:t>
+            </a:r>
+            <a:endParaRPr lang="en-US" altLang="zh-CN" dirty="0"/>
+          </a:p>
+          <a:p>
+            <a:pPr marL="228600" indent="-228600">
+              <a:buFont typeface="+mj-lt"/>
+              <a:buAutoNum type="arabicPeriod"/>
+            </a:pPr>
+            <a:r>
+              <a:rPr lang="en-US" altLang="zh-CN" dirty="0"/>
+              <a:t>R users can use the R-ArcGIS bridge to load ArcGIS data into their R workspaces for answering statistical questions. Accessible data is not just limited to feature class type data but also includes layers and </a:t>
+            </a:r>
+            <a:r>
+              <a:rPr lang="en-US" altLang="zh-CN" dirty="0" err="1"/>
+              <a:t>tables.R</a:t>
+            </a:r>
+            <a:r>
+              <a:rPr lang="en-US" altLang="zh-CN" dirty="0"/>
+              <a:t> </a:t>
+            </a:r>
+            <a:r>
+              <a:rPr lang="zh-CN" altLang="en-US" dirty="0"/>
+              <a:t>用户可以使用 </a:t>
+            </a:r>
+            <a:r>
+              <a:rPr lang="en-US" altLang="zh-CN" dirty="0"/>
+              <a:t>R-ArcGIS </a:t>
+            </a:r>
+            <a:r>
+              <a:rPr lang="zh-CN" altLang="en-US" dirty="0"/>
+              <a:t>桥将 </a:t>
+            </a:r>
+            <a:r>
+              <a:rPr lang="en-US" altLang="zh-CN" dirty="0"/>
+              <a:t>ArcGIS </a:t>
+            </a:r>
+            <a:r>
+              <a:rPr lang="zh-CN" altLang="en-US" dirty="0"/>
+              <a:t>数据加载到他们的 </a:t>
+            </a:r>
+            <a:r>
+              <a:rPr lang="en-US" altLang="zh-CN" dirty="0"/>
+              <a:t>R </a:t>
+            </a:r>
+            <a:r>
+              <a:rPr lang="zh-CN" altLang="en-US" dirty="0"/>
+              <a:t>工作空间中以回答统计问题。 可访问数据不仅限于要素类类型数据，还包括图层和表格。</a:t>
+            </a:r>
+            <a:endParaRPr lang="en-US" altLang="zh-CN" dirty="0"/>
+          </a:p>
+          <a:p>
+            <a:pPr marL="228600" indent="-228600">
+              <a:buFont typeface="+mj-lt"/>
+              <a:buAutoNum type="arabicPeriod"/>
+            </a:pPr>
+            <a:r>
+              <a:rPr lang="en-US" altLang="zh-CN" dirty="0"/>
+              <a:t>ArcGIS developers can create tools and toolboxes to integrate ArcGIS and R capabilities. Running R scripts as tools is like running other geoprocessing tools. The tool dialog and parameter options are available for configuring the tool for </a:t>
+            </a:r>
+            <a:r>
+              <a:rPr lang="en-US" altLang="zh-CN" dirty="0" err="1"/>
+              <a:t>execution.ArcGIS</a:t>
+            </a:r>
+            <a:r>
+              <a:rPr lang="en-US" altLang="zh-CN" dirty="0"/>
+              <a:t> </a:t>
+            </a:r>
+            <a:r>
+              <a:rPr lang="zh-CN" altLang="en-US" dirty="0"/>
+              <a:t>开发人员可以创建工具和工具箱来集成 </a:t>
+            </a:r>
+            <a:r>
+              <a:rPr lang="en-US" altLang="zh-CN" dirty="0"/>
+              <a:t>ArcGIS </a:t>
+            </a:r>
+            <a:r>
+              <a:rPr lang="zh-CN" altLang="en-US" dirty="0"/>
+              <a:t>和 </a:t>
+            </a:r>
+            <a:r>
+              <a:rPr lang="en-US" altLang="zh-CN" dirty="0"/>
+              <a:t>R </a:t>
+            </a:r>
+            <a:r>
+              <a:rPr lang="zh-CN" altLang="en-US" dirty="0"/>
+              <a:t>功能。 将 </a:t>
+            </a:r>
+            <a:r>
+              <a:rPr lang="en-US" altLang="zh-CN" dirty="0"/>
+              <a:t>R </a:t>
+            </a:r>
+            <a:r>
+              <a:rPr lang="zh-CN" altLang="en-US" dirty="0"/>
+              <a:t>脚本作为工具运行就像运行其他地理处理工具一样。 工具对话框和参数选项可用于配置工具以执行。</a:t>
+            </a:r>
+            <a:endParaRPr lang="en-US" altLang="zh-CN" dirty="0"/>
+          </a:p>
+          <a:p>
+            <a:pPr marL="228600" indent="-228600">
+              <a:buFont typeface="+mj-lt"/>
+              <a:buAutoNum type="arabicPeriod"/>
+            </a:pPr>
+            <a:r>
+              <a:rPr lang="en-US" altLang="zh-CN" dirty="0"/>
+              <a:t>ArcGIS Desktop users have access to all of the capabilities of R by simply referencing R scripts as the source file in a geoprocessing script. R also provides access to thousands of freely downloadable packages available for performing specific statistical </a:t>
+            </a:r>
+            <a:r>
+              <a:rPr lang="en-US" altLang="zh-CN" dirty="0" err="1"/>
+              <a:t>tasks.ArcGIS</a:t>
+            </a:r>
+            <a:r>
+              <a:rPr lang="en-US" altLang="zh-CN" dirty="0"/>
+              <a:t> Desktop </a:t>
+            </a:r>
+            <a:r>
+              <a:rPr lang="zh-CN" altLang="en-US" dirty="0"/>
+              <a:t>用户只需将 </a:t>
+            </a:r>
+            <a:r>
+              <a:rPr lang="en-US" altLang="zh-CN" dirty="0"/>
+              <a:t>R </a:t>
+            </a:r>
+            <a:r>
+              <a:rPr lang="zh-CN" altLang="en-US" dirty="0"/>
+              <a:t>脚本引用为地理处理脚本中的源文件即可访问 </a:t>
+            </a:r>
+            <a:r>
+              <a:rPr lang="en-US" altLang="zh-CN" dirty="0"/>
+              <a:t>R </a:t>
+            </a:r>
+            <a:r>
+              <a:rPr lang="zh-CN" altLang="en-US" dirty="0"/>
+              <a:t>的所有功能。 </a:t>
+            </a:r>
+            <a:r>
+              <a:rPr lang="en-US" altLang="zh-CN" dirty="0"/>
+              <a:t>R </a:t>
+            </a:r>
+            <a:r>
+              <a:rPr lang="zh-CN" altLang="en-US" dirty="0"/>
+              <a:t>还提供对数千个可免费下载的软件包的访问，这些软件包可用于执行特定的统计任务。</a:t>
+            </a:r>
+          </a:p>
+        </p:txBody>
+      </p:sp>
+      <p:sp>
+        <p:nvSpPr>
+          <p:cNvPr id="4" name="Slide Number Placeholder 3"/>
+          <p:cNvSpPr>
+            <a:spLocks noGrp="1"/>
+          </p:cNvSpPr>
+          <p:nvPr>
+            <p:ph type="sldNum" sz="quarter" idx="5"/>
+          </p:nvPr>
+        </p:nvSpPr>
+        <p:spPr/>
+        <p:txBody>
+          <a:bodyPr/>
+          <a:lstStyle/>
+          <a:p>
+            <a:fld id="{3AE59CA1-291B-4DF3-A4F6-3420D2A36AAC}" type="slidenum">
+              <a:rPr lang="zh-CN" altLang="en-US" smtClean="0"/>
+              <a:t>2</a:t>
+            </a:fld>
+            <a:endParaRPr lang="zh-CN" altLang="en-US"/>
+          </a:p>
+        </p:txBody>
+      </p:sp>
+    </p:spTree>
+    <p:extLst>
+      <p:ext uri="{BB962C8B-B14F-4D97-AF65-F5344CB8AC3E}">
+        <p14:creationId xmlns:p14="http://schemas.microsoft.com/office/powerpoint/2010/main" val="2041440897"/>
+      </p:ext>
+    </p:extLst>
+  </p:cSld>
+  <p:clrMapOvr>
+    <a:masterClrMapping/>
+  </p:clrMapOvr>
+</p:notes>
+</file>
+
+<file path=ppt/notesSlides/notesSlide2.xml><?xml version="1.0" encoding="utf-8"?>
+<p:notes xmlns:a="http://schemas.openxmlformats.org/drawingml/2006/main" xmlns:r="http://schemas.openxmlformats.org/officeDocument/2006/relationships" xmlns:p="http://schemas.openxmlformats.org/presentationml/2006/main">
+  <p:cSld>
+    <p:spTree>
+      <p:nvGrpSpPr>
+        <p:cNvPr id="1" name=""/>
+        <p:cNvGrpSpPr/>
+        <p:nvPr/>
+      </p:nvGrpSpPr>
+      <p:grpSpPr>
+        <a:xfrm>
+          <a:off x="0" y="0"/>
+          <a:ext cx="0" cy="0"/>
+          <a:chOff x="0" y="0"/>
+          <a:chExt cx="0" cy="0"/>
+        </a:xfrm>
+      </p:grpSpPr>
+      <p:sp>
+        <p:nvSpPr>
+          <p:cNvPr id="2" name="幻灯片图像占位符 1"/>
+          <p:cNvSpPr>
+            <a:spLocks noGrp="1" noRot="1" noChangeAspect="1"/>
+          </p:cNvSpPr>
+          <p:nvPr>
+            <p:ph type="sldImg"/>
+          </p:nvPr>
+        </p:nvSpPr>
+        <p:spPr/>
+      </p:sp>
+      <p:sp>
+        <p:nvSpPr>
+          <p:cNvPr id="3" name="备注占位符 2"/>
+          <p:cNvSpPr>
+            <a:spLocks noGrp="1"/>
+          </p:cNvSpPr>
+          <p:nvPr>
+            <p:ph type="body" idx="1"/>
+          </p:nvPr>
+        </p:nvSpPr>
+        <p:spPr/>
+        <p:txBody>
+          <a:bodyPr/>
+          <a:lstStyle/>
+          <a:p>
+            <a:pPr marL="228600" indent="-228600">
+              <a:buFont typeface="+mj-lt"/>
+              <a:buAutoNum type="arabicPeriod"/>
+            </a:pPr>
+            <a:r>
+              <a:rPr lang="en-US" altLang="zh-CN" dirty="0"/>
+              <a:t>ArcGIS is a complete set of GIS platform products produced by Esri with more than 40 years of geographic information system (GIS) consulting and R&amp;D experience. It has powerful capabilities for map making, spatial data management, spatial analysis, spatial information integration, publishing and sharing. ArcGIS Pro is the essential application for creating and manipulating spatial data on the desktop. It provides tools for displaying, analyzing, compiling, and sharing data in 2D and 3D </a:t>
+            </a:r>
+            <a:r>
+              <a:rPr lang="en-US" altLang="zh-CN" dirty="0" err="1"/>
+              <a:t>environments.ArcGIS</a:t>
+            </a:r>
+            <a:r>
+              <a:rPr lang="zh-CN" altLang="en-US" dirty="0"/>
+              <a:t>是</a:t>
+            </a:r>
+            <a:r>
+              <a:rPr lang="en-US" altLang="zh-CN" dirty="0"/>
+              <a:t>Esri</a:t>
+            </a:r>
+            <a:r>
+              <a:rPr lang="zh-CN" altLang="en-US" dirty="0"/>
+              <a:t>公司集</a:t>
+            </a:r>
+            <a:r>
+              <a:rPr lang="en-US" altLang="zh-CN" dirty="0"/>
+              <a:t>40</a:t>
+            </a:r>
+            <a:r>
+              <a:rPr lang="zh-CN" altLang="en-US" dirty="0"/>
+              <a:t>余年地理信息系统（</a:t>
+            </a:r>
+            <a:r>
+              <a:rPr lang="en-US" altLang="zh-CN" dirty="0"/>
+              <a:t>GIS</a:t>
+            </a:r>
+            <a:r>
+              <a:rPr lang="zh-CN" altLang="en-US" dirty="0"/>
+              <a:t>）咨询和研发经验制作的一套完整的</a:t>
+            </a:r>
+            <a:r>
+              <a:rPr lang="en-US" altLang="zh-CN" dirty="0"/>
+              <a:t>GIS</a:t>
+            </a:r>
+            <a:r>
+              <a:rPr lang="zh-CN" altLang="en-US" dirty="0"/>
+              <a:t>平台产品，具有强大的地图制作、空间数据管理、空间分析、空间信息整合、发布与共享的能力。</a:t>
+            </a:r>
+            <a:r>
+              <a:rPr lang="en-US" altLang="zh-CN" dirty="0"/>
+              <a:t>ArcGIS Pro </a:t>
+            </a:r>
+            <a:r>
+              <a:rPr lang="zh-CN" altLang="en-US" dirty="0"/>
+              <a:t>是在桌面上创建和处理空间数据的基本应用程序。它提供用于在 </a:t>
+            </a:r>
+            <a:r>
+              <a:rPr lang="en-US" altLang="zh-CN" dirty="0"/>
+              <a:t>2D </a:t>
+            </a:r>
+            <a:r>
+              <a:rPr lang="zh-CN" altLang="en-US" dirty="0"/>
+              <a:t>和 </a:t>
+            </a:r>
+            <a:r>
+              <a:rPr lang="en-US" altLang="zh-CN" dirty="0"/>
+              <a:t>3D </a:t>
+            </a:r>
+            <a:r>
+              <a:rPr lang="zh-CN" altLang="en-US" dirty="0"/>
+              <a:t>环境中显示、分析、编译和共享数据的工具。</a:t>
+            </a:r>
+            <a:endParaRPr lang="en-US" altLang="zh-CN" dirty="0"/>
+          </a:p>
+          <a:p>
+            <a:pPr marL="228600" indent="-228600">
+              <a:buFont typeface="+mj-lt"/>
+              <a:buAutoNum type="arabicPeriod"/>
+            </a:pPr>
+            <a:r>
+              <a:rPr lang="en-US" altLang="zh-CN" dirty="0"/>
+              <a:t>The </a:t>
+            </a:r>
+            <a:r>
+              <a:rPr lang="en-US" altLang="zh-CN" dirty="0" err="1"/>
+              <a:t>arcgisbinding</a:t>
+            </a:r>
+            <a:r>
+              <a:rPr lang="en-US" altLang="zh-CN" dirty="0"/>
+              <a:t> package is designed to allow you to extend your ArcGIS workflow to include R, and your R analysis to include rich geospatial analysis. With the power of the R-ArcGIS Bridge, you can easily transfer data from ArcGIS to R to access a wide range of statistical packages and functions that you may need for further analysis. When complete, the bridge allows you to transfer data back to ArcGIS to take advantage of ArcGIS's mapping, publishing, and sharing capabilities. </a:t>
+            </a:r>
+            <a:r>
+              <a:rPr lang="en-US" altLang="zh-CN" dirty="0" err="1"/>
+              <a:t>arcgisbinding</a:t>
+            </a:r>
+            <a:r>
+              <a:rPr lang="zh-CN" altLang="en-US" dirty="0"/>
+              <a:t>包旨在允许您扩展 </a:t>
+            </a:r>
+            <a:r>
+              <a:rPr lang="en-US" altLang="zh-CN" dirty="0"/>
+              <a:t>ArcGIS </a:t>
+            </a:r>
+            <a:r>
+              <a:rPr lang="zh-CN" altLang="en-US" dirty="0"/>
+              <a:t>工作流程以包含 </a:t>
+            </a:r>
+            <a:r>
+              <a:rPr lang="en-US" altLang="zh-CN" dirty="0"/>
+              <a:t>R</a:t>
+            </a:r>
+            <a:r>
+              <a:rPr lang="zh-CN" altLang="en-US" dirty="0"/>
+              <a:t>，并扩展您的 </a:t>
+            </a:r>
+            <a:r>
+              <a:rPr lang="en-US" altLang="zh-CN" dirty="0"/>
+              <a:t>R </a:t>
+            </a:r>
+            <a:r>
+              <a:rPr lang="zh-CN" altLang="en-US" dirty="0"/>
+              <a:t>分析以包含丰富的地理空间分析。通过 </a:t>
+            </a:r>
+            <a:r>
+              <a:rPr lang="en-US" altLang="zh-CN" dirty="0"/>
+              <a:t>R-ArcGIS Bridge </a:t>
+            </a:r>
+            <a:r>
+              <a:rPr lang="zh-CN" altLang="en-US" dirty="0"/>
+              <a:t>的强大功能，您可以轻松地将数据从 </a:t>
+            </a:r>
+            <a:r>
+              <a:rPr lang="en-US" altLang="zh-CN" dirty="0"/>
+              <a:t>ArcGIS </a:t>
+            </a:r>
+            <a:r>
+              <a:rPr lang="zh-CN" altLang="en-US" dirty="0"/>
+              <a:t>传输到 </a:t>
+            </a:r>
+            <a:r>
+              <a:rPr lang="en-US" altLang="zh-CN" dirty="0"/>
+              <a:t>R</a:t>
+            </a:r>
+            <a:r>
+              <a:rPr lang="zh-CN" altLang="en-US" dirty="0"/>
+              <a:t>，以访问您可能需要进一步分析的大量统计包和功能。完成后，该桥允许您将数据传输回 </a:t>
+            </a:r>
             <a:r>
               <a:rPr lang="en-US" altLang="zh-CN" dirty="0"/>
               <a:t>ArcGIS</a:t>
             </a:r>
             <a:r>
               <a:rPr lang="zh-CN" altLang="en-US" dirty="0"/>
-              <a:t>是</a:t>
+              <a:t>，以利用 </a:t>
             </a:r>
             <a:r>
               <a:rPr lang="en-US" altLang="zh-CN" dirty="0"/>
-              <a:t>Esri</a:t>
+              <a:t>ArcGIS </a:t>
             </a:r>
             <a:r>
               <a:rPr lang="zh-CN" altLang="en-US" dirty="0"/>
-              <a:t>公司集</a:t>
-            </a:r>
-            <a:r>
-              <a:rPr lang="en-US" altLang="zh-CN" dirty="0"/>
-              <a:t>40</a:t>
-            </a:r>
-            <a:r>
-              <a:rPr lang="zh-CN" altLang="en-US" dirty="0"/>
-              <a:t>余年地理信息系统（</a:t>
-            </a:r>
-            <a:r>
-              <a:rPr lang="en-US" altLang="zh-CN" dirty="0"/>
-              <a:t>GIS</a:t>
-            </a:r>
-            <a:r>
-              <a:rPr lang="zh-CN" altLang="en-US" dirty="0"/>
-              <a:t>）咨询和研发经验制作的一套完整的</a:t>
-            </a:r>
-            <a:r>
-              <a:rPr lang="en-US" altLang="zh-CN" dirty="0"/>
-              <a:t>GIS</a:t>
-            </a:r>
-            <a:r>
-              <a:rPr lang="zh-CN" altLang="en-US" dirty="0"/>
-              <a:t>平台产品，具有强大的地图制作、空间数据管理、空间分析、空间信息整合、发布与共享的能力。</a:t>
-            </a:r>
-            <a:r>
-              <a:rPr lang="en-US" altLang="zh-CN" dirty="0"/>
-              <a:t>ArcGIS Pro </a:t>
-            </a:r>
-            <a:r>
-              <a:rPr lang="zh-CN" altLang="en-US" dirty="0"/>
-              <a:t>是在桌面上创建和处理空间数据的基本应用程序。它提供用于在 </a:t>
-            </a:r>
-            <a:r>
-              <a:rPr lang="en-US" altLang="zh-CN" dirty="0"/>
-              <a:t>2D </a:t>
-            </a:r>
-            <a:r>
-              <a:rPr lang="zh-CN" altLang="en-US" dirty="0"/>
-              <a:t>和 </a:t>
-            </a:r>
-            <a:r>
-              <a:rPr lang="en-US" altLang="zh-CN" dirty="0"/>
-              <a:t>3D </a:t>
-            </a:r>
-            <a:r>
-              <a:rPr lang="zh-CN" altLang="en-US" dirty="0"/>
-              <a:t>环境中显示、分析、编译和共享数据的工具。</a:t>
-            </a:r>
-            <a:endParaRPr lang="en-US" altLang="zh-CN" dirty="0"/>
-          </a:p>
-          <a:p>
-            <a:r>
-              <a:rPr lang="en-US" altLang="zh-CN" b="0" i="0" dirty="0" err="1">
-                <a:solidFill>
-                  <a:srgbClr val="000000"/>
-                </a:solidFill>
-                <a:effectLst/>
-                <a:latin typeface="Open Sans" panose="020B0606030504020204" pitchFamily="34" charset="0"/>
-              </a:rPr>
-              <a:t>arcgisbinding</a:t>
-            </a:r>
-            <a:r>
-              <a:rPr lang="zh-CN" altLang="en-US" b="0" i="0" dirty="0">
-                <a:solidFill>
-                  <a:srgbClr val="000000"/>
-                </a:solidFill>
-                <a:effectLst/>
-                <a:latin typeface="Open Sans" panose="020B0606030504020204" pitchFamily="34" charset="0"/>
-              </a:rPr>
-              <a:t>包</a:t>
-            </a:r>
-            <a:r>
-              <a:rPr lang="zh-CN" altLang="en-US" b="1" i="0" dirty="0">
-                <a:solidFill>
-                  <a:srgbClr val="000000"/>
-                </a:solidFill>
-                <a:effectLst/>
-                <a:latin typeface="Open Sans" panose="020B0606030504020204" pitchFamily="34" charset="0"/>
-              </a:rPr>
-              <a:t>旨在</a:t>
-            </a:r>
-            <a:r>
-              <a:rPr lang="zh-CN" altLang="en-US" b="0" i="0" dirty="0">
-                <a:solidFill>
-                  <a:srgbClr val="000000"/>
-                </a:solidFill>
-                <a:effectLst/>
-                <a:latin typeface="Open Sans" panose="020B0606030504020204" pitchFamily="34" charset="0"/>
-              </a:rPr>
-              <a:t>允许您扩展 </a:t>
-            </a:r>
-            <a:r>
-              <a:rPr lang="en-US" altLang="zh-CN" b="0" i="0" dirty="0">
-                <a:solidFill>
-                  <a:srgbClr val="000000"/>
-                </a:solidFill>
-                <a:effectLst/>
-                <a:latin typeface="Open Sans" panose="020B0606030504020204" pitchFamily="34" charset="0"/>
-              </a:rPr>
-              <a:t>ArcGIS </a:t>
-            </a:r>
-            <a:r>
-              <a:rPr lang="zh-CN" altLang="en-US" b="0" i="0" dirty="0">
-                <a:solidFill>
-                  <a:srgbClr val="000000"/>
-                </a:solidFill>
-                <a:effectLst/>
-                <a:latin typeface="Open Sans" panose="020B0606030504020204" pitchFamily="34" charset="0"/>
-              </a:rPr>
-              <a:t>工作流程以包含 </a:t>
-            </a:r>
-            <a:r>
-              <a:rPr lang="en-US" altLang="zh-CN" b="0" i="0" dirty="0">
-                <a:solidFill>
-                  <a:srgbClr val="000000"/>
-                </a:solidFill>
-                <a:effectLst/>
-                <a:latin typeface="Open Sans" panose="020B0606030504020204" pitchFamily="34" charset="0"/>
-              </a:rPr>
-              <a:t>R</a:t>
-            </a:r>
-            <a:r>
-              <a:rPr lang="zh-CN" altLang="en-US" b="0" i="0" dirty="0">
-                <a:solidFill>
-                  <a:srgbClr val="000000"/>
-                </a:solidFill>
-                <a:effectLst/>
-                <a:latin typeface="Open Sans" panose="020B0606030504020204" pitchFamily="34" charset="0"/>
-              </a:rPr>
-              <a:t>，并扩展您的 </a:t>
-            </a:r>
-            <a:r>
-              <a:rPr lang="en-US" altLang="zh-CN" b="0" i="0" dirty="0">
-                <a:solidFill>
-                  <a:srgbClr val="000000"/>
-                </a:solidFill>
-                <a:effectLst/>
-                <a:latin typeface="Open Sans" panose="020B0606030504020204" pitchFamily="34" charset="0"/>
-              </a:rPr>
-              <a:t>R </a:t>
-            </a:r>
-            <a:r>
-              <a:rPr lang="zh-CN" altLang="en-US" b="0" i="0" dirty="0">
-                <a:solidFill>
-                  <a:srgbClr val="000000"/>
-                </a:solidFill>
-                <a:effectLst/>
-                <a:latin typeface="Open Sans" panose="020B0606030504020204" pitchFamily="34" charset="0"/>
-              </a:rPr>
-              <a:t>分析以包含丰富的地理空间分析。通过 </a:t>
-            </a:r>
-            <a:r>
-              <a:rPr lang="en-US" altLang="zh-CN" b="0" i="0" dirty="0">
-                <a:solidFill>
-                  <a:srgbClr val="000000"/>
-                </a:solidFill>
-                <a:effectLst/>
-                <a:latin typeface="Open Sans" panose="020B0606030504020204" pitchFamily="34" charset="0"/>
-              </a:rPr>
-              <a:t>R-ArcGIS Bridge </a:t>
-            </a:r>
-            <a:r>
-              <a:rPr lang="zh-CN" altLang="en-US" b="0" i="0" dirty="0">
-                <a:solidFill>
-                  <a:srgbClr val="000000"/>
-                </a:solidFill>
-                <a:effectLst/>
-                <a:latin typeface="Open Sans" panose="020B0606030504020204" pitchFamily="34" charset="0"/>
-              </a:rPr>
-              <a:t>的强大功能，您可以轻松地将数据从 </a:t>
-            </a:r>
-            <a:r>
-              <a:rPr lang="en-US" altLang="zh-CN" b="0" i="0" dirty="0">
-                <a:solidFill>
-                  <a:srgbClr val="000000"/>
-                </a:solidFill>
-                <a:effectLst/>
-                <a:latin typeface="Open Sans" panose="020B0606030504020204" pitchFamily="34" charset="0"/>
-              </a:rPr>
-              <a:t>ArcGIS </a:t>
-            </a:r>
-            <a:r>
-              <a:rPr lang="zh-CN" altLang="en-US" b="0" i="0" dirty="0">
-                <a:solidFill>
-                  <a:srgbClr val="000000"/>
-                </a:solidFill>
-                <a:effectLst/>
-                <a:latin typeface="Open Sans" panose="020B0606030504020204" pitchFamily="34" charset="0"/>
-              </a:rPr>
-              <a:t>传输到 </a:t>
-            </a:r>
-            <a:r>
-              <a:rPr lang="en-US" altLang="zh-CN" b="0" i="0" dirty="0">
-                <a:solidFill>
-                  <a:srgbClr val="000000"/>
-                </a:solidFill>
-                <a:effectLst/>
-                <a:latin typeface="Open Sans" panose="020B0606030504020204" pitchFamily="34" charset="0"/>
-              </a:rPr>
-              <a:t>R</a:t>
-            </a:r>
-            <a:r>
-              <a:rPr lang="zh-CN" altLang="en-US" b="0" i="0" dirty="0">
-                <a:solidFill>
-                  <a:srgbClr val="000000"/>
-                </a:solidFill>
-                <a:effectLst/>
-                <a:latin typeface="Open Sans" panose="020B0606030504020204" pitchFamily="34" charset="0"/>
-              </a:rPr>
-              <a:t>，以访问您可能需要进一步分析的大量统计包和功能。完成后，该桥允许您将数据传输回 </a:t>
-            </a:r>
-            <a:r>
-              <a:rPr lang="en-US" altLang="zh-CN" b="0" i="0" dirty="0">
-                <a:solidFill>
-                  <a:srgbClr val="000000"/>
-                </a:solidFill>
-                <a:effectLst/>
-                <a:latin typeface="Open Sans" panose="020B0606030504020204" pitchFamily="34" charset="0"/>
-              </a:rPr>
-              <a:t>ArcGIS</a:t>
-            </a:r>
-            <a:r>
-              <a:rPr lang="zh-CN" altLang="en-US" b="0" i="0" dirty="0">
-                <a:solidFill>
-                  <a:srgbClr val="000000"/>
-                </a:solidFill>
-                <a:effectLst/>
-                <a:latin typeface="Open Sans" panose="020B0606030504020204" pitchFamily="34" charset="0"/>
-              </a:rPr>
-              <a:t>，以利用 </a:t>
-            </a:r>
-            <a:r>
-              <a:rPr lang="en-US" altLang="zh-CN" b="0" i="0" dirty="0">
-                <a:solidFill>
-                  <a:srgbClr val="000000"/>
-                </a:solidFill>
-                <a:effectLst/>
-                <a:latin typeface="Open Sans" panose="020B0606030504020204" pitchFamily="34" charset="0"/>
-              </a:rPr>
-              <a:t>ArcGIS </a:t>
-            </a:r>
-            <a:r>
-              <a:rPr lang="zh-CN" altLang="en-US" b="0" i="0" dirty="0">
-                <a:solidFill>
-                  <a:srgbClr val="000000"/>
-                </a:solidFill>
-                <a:effectLst/>
-                <a:latin typeface="Open Sans" panose="020B0606030504020204" pitchFamily="34" charset="0"/>
-              </a:rPr>
               <a:t>的制图、发布和共享功能。</a:t>
             </a:r>
-            <a:endParaRPr lang="zh-CN" altLang="en-US" dirty="0"/>
           </a:p>
         </p:txBody>
       </p:sp>
@@ -962,7 +1239,7 @@
           <a:p>
             <a:fld id="{E6EDC102-A18F-48E6-AD42-1CE7057CC7D5}" type="datetimeFigureOut">
               <a:rPr lang="zh-CN" altLang="en-US" smtClean="0"/>
-              <a:t>2022/9/4</a:t>
+              <a:t>2022/9/11</a:t>
             </a:fld>
             <a:endParaRPr lang="zh-CN" altLang="en-US"/>
           </a:p>
@@ -1160,7 +1437,7 @@
           <a:p>
             <a:fld id="{E6EDC102-A18F-48E6-AD42-1CE7057CC7D5}" type="datetimeFigureOut">
               <a:rPr lang="zh-CN" altLang="en-US" smtClean="0"/>
-              <a:t>2022/9/4</a:t>
+              <a:t>2022/9/11</a:t>
             </a:fld>
             <a:endParaRPr lang="zh-CN" altLang="en-US"/>
           </a:p>
@@ -1368,7 +1645,7 @@
           <a:p>
             <a:fld id="{E6EDC102-A18F-48E6-AD42-1CE7057CC7D5}" type="datetimeFigureOut">
               <a:rPr lang="zh-CN" altLang="en-US" smtClean="0"/>
-              <a:t>2022/9/4</a:t>
+              <a:t>2022/9/11</a:t>
             </a:fld>
             <a:endParaRPr lang="zh-CN" altLang="en-US"/>
           </a:p>
@@ -1566,7 +1843,7 @@
           <a:p>
             <a:fld id="{E6EDC102-A18F-48E6-AD42-1CE7057CC7D5}" type="datetimeFigureOut">
               <a:rPr lang="zh-CN" altLang="en-US" smtClean="0"/>
-              <a:t>2022/9/4</a:t>
+              <a:t>2022/9/11</a:t>
             </a:fld>
             <a:endParaRPr lang="zh-CN" altLang="en-US"/>
           </a:p>
@@ -1841,7 +2118,7 @@
           <a:p>
             <a:fld id="{E6EDC102-A18F-48E6-AD42-1CE7057CC7D5}" type="datetimeFigureOut">
               <a:rPr lang="zh-CN" altLang="en-US" smtClean="0"/>
-              <a:t>2022/9/4</a:t>
+              <a:t>2022/9/11</a:t>
             </a:fld>
             <a:endParaRPr lang="zh-CN" altLang="en-US"/>
           </a:p>
@@ -2106,7 +2383,7 @@
           <a:p>
             <a:fld id="{E6EDC102-A18F-48E6-AD42-1CE7057CC7D5}" type="datetimeFigureOut">
               <a:rPr lang="zh-CN" altLang="en-US" smtClean="0"/>
-              <a:t>2022/9/4</a:t>
+              <a:t>2022/9/11</a:t>
             </a:fld>
             <a:endParaRPr lang="zh-CN" altLang="en-US"/>
           </a:p>
@@ -2518,7 +2795,7 @@
           <a:p>
             <a:fld id="{E6EDC102-A18F-48E6-AD42-1CE7057CC7D5}" type="datetimeFigureOut">
               <a:rPr lang="zh-CN" altLang="en-US" smtClean="0"/>
-              <a:t>2022/9/4</a:t>
+              <a:t>2022/9/11</a:t>
             </a:fld>
             <a:endParaRPr lang="zh-CN" altLang="en-US"/>
           </a:p>
@@ -2659,7 +2936,7 @@
           <a:p>
             <a:fld id="{E6EDC102-A18F-48E6-AD42-1CE7057CC7D5}" type="datetimeFigureOut">
               <a:rPr lang="zh-CN" altLang="en-US" smtClean="0"/>
-              <a:t>2022/9/4</a:t>
+              <a:t>2022/9/11</a:t>
             </a:fld>
             <a:endParaRPr lang="zh-CN" altLang="en-US"/>
           </a:p>
@@ -2772,7 +3049,7 @@
           <a:p>
             <a:fld id="{E6EDC102-A18F-48E6-AD42-1CE7057CC7D5}" type="datetimeFigureOut">
               <a:rPr lang="zh-CN" altLang="en-US" smtClean="0"/>
-              <a:t>2022/9/4</a:t>
+              <a:t>2022/9/11</a:t>
             </a:fld>
             <a:endParaRPr lang="zh-CN" altLang="en-US"/>
           </a:p>
@@ -3083,7 +3360,7 @@
           <a:p>
             <a:fld id="{E6EDC102-A18F-48E6-AD42-1CE7057CC7D5}" type="datetimeFigureOut">
               <a:rPr lang="zh-CN" altLang="en-US" smtClean="0"/>
-              <a:t>2022/9/4</a:t>
+              <a:t>2022/9/11</a:t>
             </a:fld>
             <a:endParaRPr lang="zh-CN" altLang="en-US"/>
           </a:p>
@@ -3371,7 +3648,7 @@
           <a:p>
             <a:fld id="{E6EDC102-A18F-48E6-AD42-1CE7057CC7D5}" type="datetimeFigureOut">
               <a:rPr lang="zh-CN" altLang="en-US" smtClean="0"/>
-              <a:t>2022/9/4</a:t>
+              <a:t>2022/9/11</a:t>
             </a:fld>
             <a:endParaRPr lang="zh-CN" altLang="en-US"/>
           </a:p>
@@ -3612,7 +3889,7 @@
           <a:p>
             <a:fld id="{E6EDC102-A18F-48E6-AD42-1CE7057CC7D5}" type="datetimeFigureOut">
               <a:rPr lang="zh-CN" altLang="en-US" smtClean="0"/>
-              <a:t>2022/9/4</a:t>
+              <a:t>2022/9/11</a:t>
             </a:fld>
             <a:endParaRPr lang="zh-CN" altLang="en-US"/>
           </a:p>
@@ -4159,13 +4436,27 @@
           <a:p>
             <a:pPr algn="l"/>
             <a:r>
-              <a:rPr lang="en-US" altLang="zh-CN" sz="4100" b="0" i="0">
+              <a:rPr lang="en-US" altLang="zh-CN" sz="4100" b="0" i="0" dirty="0">
                 <a:effectLst/>
                 <a:latin typeface="PingFang SC"/>
               </a:rPr>
-              <a:t>Intro to R-ArcGIS Bridge: the arcgisbinding Package</a:t>
-            </a:r>
-            <a:endParaRPr lang="zh-CN" altLang="en-US" sz="4100"/>
+              <a:t>Intro to R-ArcGIS Bridge: the </a:t>
+            </a:r>
+            <a:r>
+              <a:rPr lang="en-US" altLang="zh-CN" sz="4100" b="0" i="0" dirty="0" err="1">
+                <a:effectLst/>
+                <a:latin typeface="PingFang SC"/>
+              </a:rPr>
+              <a:t>arcgisbinding</a:t>
+            </a:r>
+            <a:r>
+              <a:rPr lang="en-US" altLang="zh-CN" sz="4100" b="0" i="0" dirty="0">
+                <a:effectLst/>
+                <a:latin typeface="PingFang SC"/>
+              </a:rPr>
+              <a:t> Package</a:t>
+            </a:r>
+            <a:endParaRPr lang="zh-CN" altLang="en-US" sz="4100" dirty="0"/>
           </a:p>
         </p:txBody>
       </p:sp>
@@ -4459,14 +4750,14 @@
           <p:nvPr/>
         </p:nvPicPr>
         <p:blipFill>
-          <a:blip r:embed="rId2"/>
+          <a:blip r:embed="rId3"/>
           <a:stretch>
             <a:fillRect/>
           </a:stretch>
         </p:blipFill>
         <p:spPr>
           <a:xfrm>
-            <a:off x="484632" y="2201531"/>
+            <a:off x="484632" y="2289353"/>
             <a:ext cx="3517119" cy="896866"/>
           </a:xfrm>
           <a:prstGeom prst="rect">
@@ -4541,14 +4832,14 @@
           <p:nvPr/>
         </p:nvPicPr>
         <p:blipFill>
-          <a:blip r:embed="rId3"/>
+          <a:blip r:embed="rId4"/>
           <a:stretch>
             <a:fillRect/>
           </a:stretch>
         </p:blipFill>
         <p:spPr>
           <a:xfrm>
-            <a:off x="4310676" y="2203375"/>
+            <a:off x="4310676" y="2291197"/>
             <a:ext cx="3537345" cy="893178"/>
           </a:xfrm>
           <a:prstGeom prst="rect">
@@ -4623,14 +4914,14 @@
           <p:nvPr/>
         </p:nvPicPr>
         <p:blipFill>
-          <a:blip r:embed="rId4"/>
+          <a:blip r:embed="rId5"/>
           <a:stretch>
             <a:fillRect/>
           </a:stretch>
         </p:blipFill>
         <p:spPr>
           <a:xfrm>
-            <a:off x="8162336" y="2201532"/>
+            <a:off x="8162336" y="2289354"/>
             <a:ext cx="3517120" cy="896866"/>
           </a:xfrm>
           <a:prstGeom prst="rect">
@@ -4652,8 +4943,8 @@
         </p:nvSpPr>
         <p:spPr>
           <a:xfrm>
-            <a:off x="8162336" y="3365105"/>
-            <a:ext cx="3517120" cy="1200329"/>
+            <a:off x="8162336" y="3452927"/>
+            <a:ext cx="3517120" cy="1077218"/>
           </a:xfrm>
           <a:prstGeom prst="rect">
             <a:avLst/>
@@ -4667,10 +4958,10 @@
           <a:lstStyle/>
           <a:p>
             <a:r>
-              <a:rPr lang="en-US" altLang="zh-CN" sz="1200" dirty="0"/>
-              <a:t>ArcGIS Desktop users have access to all of the capabilities of R by simply referencing R scripts as the source file in a geoprocessing script. R also provides access to thousands of freely downloadable packages available for performing specific statistical tasks.</a:t>
-            </a:r>
-            <a:endParaRPr lang="zh-CN" altLang="en-US" sz="1200" dirty="0"/>
+              <a:rPr lang="en-US" altLang="zh-CN" sz="1600" dirty="0"/>
+              <a:t>Have access to all of the capabilities of R by simply referencing R scripts as the source file in a geoprocessing script. </a:t>
+            </a:r>
+            <a:endParaRPr lang="zh-CN" altLang="en-US" sz="1600" dirty="0"/>
           </a:p>
         </p:txBody>
       </p:sp>
@@ -4688,8 +4979,8 @@
         </p:nvSpPr>
         <p:spPr>
           <a:xfrm>
-            <a:off x="4310676" y="3365105"/>
-            <a:ext cx="3517120" cy="1015663"/>
+            <a:off x="4310676" y="3452927"/>
+            <a:ext cx="3517120" cy="1077218"/>
           </a:xfrm>
           <a:prstGeom prst="rect">
             <a:avLst/>
@@ -4703,10 +4994,14 @@
           <a:lstStyle/>
           <a:p>
             <a:r>
-              <a:rPr lang="en-US" altLang="zh-CN" sz="1200" dirty="0">
+              <a:rPr lang="en-US" altLang="zh-CN" sz="1600" dirty="0"/>
+              <a:t>C</a:t>
+            </a:r>
+            <a:r>
+              <a:rPr lang="en-US" altLang="zh-CN" sz="1600" dirty="0">
                 <a:effectLst/>
               </a:rPr>
-              <a:t>ArcGIS developers can create tools and toolboxes to integrate ArcGIS and R capabilities. Running R scripts as tools is like running other geoprocessing tools. The tool dialog and parameter options are available for configuring the tool for execution.</a:t>
+              <a:t>reate tools and toolboxes to integrate ArcGIS and R capabilities. Running R scripts as tools is like running other geoprocessing tools. </a:t>
             </a:r>
           </a:p>
         </p:txBody>
@@ -4725,8 +5020,8 @@
         </p:nvSpPr>
         <p:spPr>
           <a:xfrm>
-            <a:off x="480356" y="3365105"/>
-            <a:ext cx="3517120" cy="1015663"/>
+            <a:off x="480356" y="3452927"/>
+            <a:ext cx="3517120" cy="830997"/>
           </a:xfrm>
           <a:prstGeom prst="rect">
             <a:avLst/>
@@ -4740,10 +5035,10 @@
           <a:lstStyle/>
           <a:p>
             <a:r>
-              <a:rPr lang="en-US" altLang="zh-CN" sz="1200" dirty="0">
+              <a:rPr lang="en-US" altLang="zh-CN" sz="1600" dirty="0">
                 <a:effectLst/>
               </a:rPr>
-              <a:t>R users can use the R-ArcGIS bridge to load ArcGIS data into their R workspaces for answering statistical questions. Accessible data is not just limited to feature class type data but also includes layers and tables.</a:t>
+              <a:t>Load ArcGIS data into their R workspaces for answering statistical questions. </a:t>
             </a:r>
           </a:p>
         </p:txBody>
@@ -4763,7 +5058,7 @@
         <p:spPr>
           <a:xfrm>
             <a:off x="480355" y="5545589"/>
-            <a:ext cx="11199095" cy="830997"/>
+            <a:ext cx="11199095" cy="1077218"/>
           </a:xfrm>
           <a:prstGeom prst="rect">
             <a:avLst/>
@@ -4781,8 +5076,8 @@
               <a:buAutoNum type="arabicPeriod"/>
             </a:pPr>
             <a:r>
-              <a:rPr lang="en-US" altLang="zh-CN" sz="1200" dirty="0"/>
-              <a:t>The R-ArcGIS bridge bridges the gap between traditional ArcGIS users and statistically based R developers. ArcGIS users can now create custom tools and toolboxes that use both the spatial and statistical capabilities found in ArcGIS and R.</a:t>
+              <a:rPr lang="en-US" altLang="zh-CN" sz="1600" dirty="0"/>
+              <a:t>Bridges the gap between traditional ArcGIS users and statistically based R developers. </a:t>
             </a:r>
           </a:p>
           <a:p>
@@ -4791,10 +5086,20 @@
               <a:buAutoNum type="arabicPeriod"/>
             </a:pPr>
             <a:r>
-              <a:rPr lang="en-US" altLang="zh-CN" sz="1200" dirty="0"/>
-              <a:t>As an ArcGIS user, you can now access R code through geoprocessing scripts and run the scripts in ArcGIS Desktop. R users greatly benefit in their work by having direct access to an organization's GIS data through the R-ArcGIS bridge, and they also have access to the spatial analysis tools and mapping power of ArcGIS.</a:t>
-            </a:r>
-            <a:endParaRPr lang="zh-CN" altLang="en-US" sz="1200" dirty="0"/>
+              <a:rPr lang="en-US" altLang="zh-CN" sz="1600" dirty="0"/>
+              <a:t>Access R code through geoprocessing scripts and run the scripts in ArcGIS Desktop. </a:t>
+            </a:r>
+          </a:p>
+          <a:p>
+            <a:pPr marL="228600" indent="-228600">
+              <a:buFont typeface="+mj-lt"/>
+              <a:buAutoNum type="arabicPeriod"/>
+            </a:pPr>
+            <a:r>
+              <a:rPr lang="en-US" altLang="zh-CN" sz="1600" dirty="0"/>
+              <a:t>Access to an organization's GIS data through the R-ArcGIS bridge, and they also have access to the spatial analysis tools and mapping power of ArcGIS.</a:t>
+            </a:r>
+            <a:endParaRPr lang="zh-CN" altLang="en-US" sz="1600" dirty="0"/>
           </a:p>
         </p:txBody>
       </p:sp>
@@ -5857,91 +6162,6 @@
           <a:prstGeom prst="rect">
             <a:avLst/>
           </a:prstGeom>
-        </p:spPr>
-      </p:pic>
-      <p:pic>
-        <p:nvPicPr>
-          <p:cNvPr id="4" name="图片 3" descr="形状&#10;&#10;描述已自动生成">
-            <a:extLst>
-              <a:ext uri="{FF2B5EF4-FFF2-40B4-BE49-F238E27FC236}">
-                <a16:creationId xmlns:a16="http://schemas.microsoft.com/office/drawing/2014/main" id="{1FE67D65-4F35-40E2-4300-9D92EFBD0649}"/>
-              </a:ext>
-            </a:extLst>
-          </p:cNvPr>
-          <p:cNvPicPr>
-            <a:picLocks noChangeAspect="1"/>
-          </p:cNvPicPr>
-          <p:nvPr/>
-        </p:nvPicPr>
-        <p:blipFill>
-          <a:blip r:embed="rId3">
-            <a:alphaModFix amt="35000"/>
-            <a:extLst>
-              <a:ext uri="{28A0092B-C50C-407E-A947-70E740481C1C}">
-                <a14:useLocalDpi xmlns:a14="http://schemas.microsoft.com/office/drawing/2010/main" val="0"/>
-              </a:ext>
-            </a:extLst>
-          </a:blip>
-          <a:stretch>
-            <a:fillRect/>
-          </a:stretch>
-        </p:blipFill>
-        <p:spPr>
-          <a:xfrm>
-            <a:off x="0" y="0"/>
-            <a:ext cx="778611" cy="777876"/>
-          </a:xfrm>
-          <a:prstGeom prst="rect">
-            <a:avLst/>
-          </a:prstGeom>
-        </p:spPr>
-      </p:pic>
-      <p:pic>
-        <p:nvPicPr>
-          <p:cNvPr id="5" name="Picture 6" descr="University at Buffalo - YouTube">
-            <a:extLst>
-              <a:ext uri="{FF2B5EF4-FFF2-40B4-BE49-F238E27FC236}">
-                <a16:creationId xmlns:a16="http://schemas.microsoft.com/office/drawing/2014/main" id="{5BBB0EF5-3755-6A0C-8435-079F00E1C1CB}"/>
-              </a:ext>
-            </a:extLst>
-          </p:cNvPr>
-          <p:cNvPicPr>
-            <a:picLocks noChangeAspect="1" noChangeArrowheads="1"/>
-          </p:cNvPicPr>
-          <p:nvPr/>
-        </p:nvPicPr>
-        <p:blipFill>
-          <a:blip r:embed="rId4">
-            <a:alphaModFix amt="35000"/>
-            <a:extLst>
-              <a:ext uri="{28A0092B-C50C-407E-A947-70E740481C1C}">
-                <a14:useLocalDpi xmlns:a14="http://schemas.microsoft.com/office/drawing/2010/main" val="0"/>
-              </a:ext>
-            </a:extLst>
-          </a:blip>
-          <a:srcRect/>
-          <a:stretch>
-            <a:fillRect/>
-          </a:stretch>
-        </p:blipFill>
-        <p:spPr bwMode="auto">
-          <a:xfrm>
-            <a:off x="778612" y="0"/>
-            <a:ext cx="777876" cy="777876"/>
-          </a:xfrm>
-          <a:prstGeom prst="rect">
-            <a:avLst/>
-          </a:prstGeom>
-          <a:noFill/>
-          <a:extLst>
-            <a:ext uri="{909E8E84-426E-40DD-AFC4-6F175D3DCCD1}">
-              <a14:hiddenFill xmlns:a14="http://schemas.microsoft.com/office/drawing/2010/main">
-                <a:solidFill>
-                  <a:srgbClr val="FFFFFF"/>
-                </a:solidFill>
-              </a14:hiddenFill>
-            </a:ext>
-          </a:extLst>
         </p:spPr>
       </p:pic>
     </p:spTree>
